--- a/ThymioPresentation.pptx
+++ b/ThymioPresentation.pptx
@@ -12,7 +12,7 @@
   </p:handoutMasterIdLst>
   <p:sldIdLst>
     <p:sldId id="256" r:id="rId5"/>
-    <p:sldId id="257" r:id="rId6"/>
+    <p:sldId id="265" r:id="rId6"/>
     <p:sldId id="258" r:id="rId7"/>
     <p:sldId id="259" r:id="rId8"/>
     <p:sldId id="271" r:id="rId9"/>
@@ -295,7 +295,7 @@
               <a:rPr lang="fr-CH" smtClean="0">
                 <a:latin typeface="Arial" panose="020B0604020202020204" pitchFamily="34" charset="0"/>
               </a:rPr>
-              <a:t>‹N›</a:t>
+              <a:t>‹N°›</a:t>
             </a:fld>
             <a:endParaRPr lang="fr-CH" dirty="0">
               <a:latin typeface="Arial" panose="020B0604020202020204" pitchFamily="34" charset="0"/>
@@ -539,7 +539,7 @@
             <a:fld id="{4CF50783-AAED-1941-8BCC-9F6140F0A6B1}" type="slidenum">
               <a:rPr lang="fr-FR" smtClean="0"/>
               <a:pPr/>
-              <a:t>‹N›</a:t>
+              <a:t>‹N°›</a:t>
             </a:fld>
             <a:endParaRPr lang="fr-FR" dirty="0"/>
           </a:p>
@@ -1179,7 +1179,7 @@
             <a:fld id="{E1E1CD7C-2161-7D43-862E-CE4C333CD873}" type="slidenum">
               <a:rPr lang="fr-FR" smtClean="0"/>
               <a:pPr/>
-              <a:t>‹N›</a:t>
+              <a:t>‹N°›</a:t>
             </a:fld>
             <a:endParaRPr lang="fr-FR" dirty="0"/>
           </a:p>
@@ -1325,7 +1325,7 @@
             <a:fld id="{E1E1CD7C-2161-7D43-862E-CE4C333CD873}" type="slidenum">
               <a:rPr lang="fr-FR" smtClean="0"/>
               <a:pPr/>
-              <a:t>‹N›</a:t>
+              <a:t>‹N°›</a:t>
             </a:fld>
             <a:endParaRPr lang="fr-FR" dirty="0"/>
           </a:p>
@@ -1515,7 +1515,7 @@
             <a:fld id="{E1E1CD7C-2161-7D43-862E-CE4C333CD873}" type="slidenum">
               <a:rPr lang="fr-FR" smtClean="0"/>
               <a:pPr/>
-              <a:t>‹N›</a:t>
+              <a:t>‹N°›</a:t>
             </a:fld>
             <a:endParaRPr lang="fr-FR" dirty="0"/>
           </a:p>
@@ -1666,7 +1666,7 @@
             <a:fld id="{E1E1CD7C-2161-7D43-862E-CE4C333CD873}" type="slidenum">
               <a:rPr lang="fr-FR" smtClean="0"/>
               <a:pPr/>
-              <a:t>‹N›</a:t>
+              <a:t>‹N°›</a:t>
             </a:fld>
             <a:endParaRPr lang="fr-FR" dirty="0"/>
           </a:p>
@@ -1861,7 +1861,7 @@
             <a:fld id="{E1E1CD7C-2161-7D43-862E-CE4C333CD873}" type="slidenum">
               <a:rPr lang="fr-FR" smtClean="0"/>
               <a:pPr/>
-              <a:t>‹N›</a:t>
+              <a:t>‹N°›</a:t>
             </a:fld>
             <a:endParaRPr lang="fr-FR" dirty="0"/>
           </a:p>
@@ -2007,7 +2007,7 @@
             <a:fld id="{E1E1CD7C-2161-7D43-862E-CE4C333CD873}" type="slidenum">
               <a:rPr lang="fr-FR" smtClean="0"/>
               <a:pPr/>
-              <a:t>‹N›</a:t>
+              <a:t>‹N°›</a:t>
             </a:fld>
             <a:endParaRPr lang="fr-FR" dirty="0"/>
           </a:p>
@@ -2369,7 +2369,7 @@
             <a:fld id="{E1E1CD7C-2161-7D43-862E-CE4C333CD873}" type="slidenum">
               <a:rPr lang="fr-FR" smtClean="0"/>
               <a:pPr/>
-              <a:t>‹N›</a:t>
+              <a:t>‹N°›</a:t>
             </a:fld>
             <a:endParaRPr lang="fr-FR" dirty="0"/>
           </a:p>
@@ -2731,7 +2731,7 @@
             <a:fld id="{E1E1CD7C-2161-7D43-862E-CE4C333CD873}" type="slidenum">
               <a:rPr lang="fr-FR" smtClean="0"/>
               <a:pPr/>
-              <a:t>‹N›</a:t>
+              <a:t>‹N°›</a:t>
             </a:fld>
             <a:endParaRPr lang="fr-FR" dirty="0"/>
           </a:p>
@@ -3093,7 +3093,7 @@
             <a:fld id="{E1E1CD7C-2161-7D43-862E-CE4C333CD873}" type="slidenum">
               <a:rPr lang="fr-FR" smtClean="0"/>
               <a:pPr/>
-              <a:t>‹N›</a:t>
+              <a:t>‹N°›</a:t>
             </a:fld>
             <a:endParaRPr lang="fr-FR" dirty="0"/>
           </a:p>
@@ -3266,7 +3266,7 @@
             <a:fld id="{E1E1CD7C-2161-7D43-862E-CE4C333CD873}" type="slidenum">
               <a:rPr lang="fr-FR" smtClean="0"/>
               <a:pPr/>
-              <a:t>‹N›</a:t>
+              <a:t>‹N°›</a:t>
             </a:fld>
             <a:endParaRPr lang="fr-FR" dirty="0"/>
           </a:p>
@@ -3477,7 +3477,7 @@
             <a:fld id="{E1E1CD7C-2161-7D43-862E-CE4C333CD873}" type="slidenum">
               <a:rPr lang="fr-FR" smtClean="0"/>
               <a:pPr/>
-              <a:t>‹N›</a:t>
+              <a:t>‹N°›</a:t>
             </a:fld>
             <a:endParaRPr lang="fr-FR" dirty="0"/>
           </a:p>
@@ -3660,7 +3660,7 @@
             <a:fld id="{E1E1CD7C-2161-7D43-862E-CE4C333CD873}" type="slidenum">
               <a:rPr lang="fr-FR" smtClean="0"/>
               <a:pPr/>
-              <a:t>‹N›</a:t>
+              <a:t>‹N°›</a:t>
             </a:fld>
             <a:endParaRPr lang="fr-FR" dirty="0"/>
           </a:p>
@@ -3876,7 +3876,7 @@
             <a:fld id="{E1E1CD7C-2161-7D43-862E-CE4C333CD873}" type="slidenum">
               <a:rPr lang="fr-FR" smtClean="0"/>
               <a:pPr/>
-              <a:t>‹N›</a:t>
+              <a:t>‹N°›</a:t>
             </a:fld>
             <a:endParaRPr lang="fr-FR" dirty="0"/>
           </a:p>
@@ -4120,7 +4120,7 @@
             <a:fld id="{E1E1CD7C-2161-7D43-862E-CE4C333CD873}" type="slidenum">
               <a:rPr lang="fr-FR" smtClean="0"/>
               <a:pPr/>
-              <a:t>‹N›</a:t>
+              <a:t>‹N°›</a:t>
             </a:fld>
             <a:endParaRPr lang="fr-FR" dirty="0"/>
           </a:p>
@@ -4358,7 +4358,7 @@
             <a:fld id="{E1E1CD7C-2161-7D43-862E-CE4C333CD873}" type="slidenum">
               <a:rPr lang="fr-FR" smtClean="0"/>
               <a:pPr/>
-              <a:t>‹N›</a:t>
+              <a:t>‹N°›</a:t>
             </a:fld>
             <a:endParaRPr lang="fr-FR" dirty="0"/>
           </a:p>
@@ -4985,6 +4985,29 @@
             </a:r>
           </a:p>
           <a:p>
+            <a:r>
+              <a:rPr lang="fr-FR" dirty="0"/>
+              <a:t>Cédric Fournier</a:t>
+            </a:r>
+          </a:p>
+          <a:p>
+            <a:r>
+              <a:rPr lang="fr-FR" dirty="0"/>
+              <a:t>Simon </a:t>
+            </a:r>
+            <a:r>
+              <a:rPr lang="fr-FR"/>
+              <a:t>Gmür</a:t>
+            </a:r>
+            <a:endParaRPr lang="fr-FR" dirty="0"/>
+          </a:p>
+          <a:p>
+            <a:r>
+              <a:rPr lang="fr-FR" dirty="0"/>
+              <a:t>Edgar Aellen</a:t>
+            </a:r>
+          </a:p>
+          <a:p>
             <a:endParaRPr lang="fr-FR" dirty="0"/>
           </a:p>
         </p:txBody>
@@ -5049,10 +5072,168 @@
       </p:grpSpPr>
       <p:sp>
         <p:nvSpPr>
-          <p:cNvPr id="2" name="Titre 1">
-            <a:extLst>
-              <a:ext uri="{FF2B5EF4-FFF2-40B4-BE49-F238E27FC236}">
-                <a16:creationId xmlns:a16="http://schemas.microsoft.com/office/drawing/2014/main" id="{626F21C7-56BC-A74B-BA53-D2D4021D16E5}"/>
+          <p:cNvPr id="2" name="Espace réservé du contenu 1">
+            <a:extLst>
+              <a:ext uri="{FF2B5EF4-FFF2-40B4-BE49-F238E27FC236}">
+                <a16:creationId xmlns:a16="http://schemas.microsoft.com/office/drawing/2014/main" id="{67BC4BC0-7D27-3444-A1AD-65DBA4239BB8}"/>
+              </a:ext>
+            </a:extLst>
+          </p:cNvPr>
+          <p:cNvSpPr>
+            <a:spLocks noGrp="1"/>
+          </p:cNvSpPr>
+          <p:nvPr>
+            <p:ph sz="half" idx="1"/>
+          </p:nvPr>
+        </p:nvSpPr>
+        <p:spPr>
+          <a:xfrm>
+            <a:off x="904875" y="893233"/>
+            <a:ext cx="3671466" cy="3933959"/>
+          </a:xfrm>
+        </p:spPr>
+        <p:txBody>
+          <a:bodyPr/>
+          <a:lstStyle/>
+          <a:p>
+            <a:pPr marL="0" indent="0">
+              <a:buNone/>
+            </a:pPr>
+            <a:r>
+              <a:rPr lang="fr-FR" dirty="0" err="1"/>
+              <a:t>ArUco</a:t>
+            </a:r>
+            <a:r>
+              <a:rPr lang="fr-FR" dirty="0"/>
+              <a:t> Library </a:t>
+            </a:r>
+          </a:p>
+          <a:p>
+            <a:r>
+              <a:rPr lang="fr-CH" dirty="0" err="1"/>
+              <a:t>Detect</a:t>
+            </a:r>
+            <a:r>
+              <a:rPr lang="fr-CH" dirty="0"/>
+              <a:t> Marker Candidates</a:t>
+            </a:r>
+            <a:r>
+              <a:rPr lang="fr-FR" dirty="0"/>
+              <a:t> </a:t>
+            </a:r>
+          </a:p>
+          <a:p>
+            <a:r>
+              <a:rPr lang="fr-CH" dirty="0"/>
+              <a:t>Analyse Marker Codification</a:t>
+            </a:r>
+          </a:p>
+        </p:txBody>
+      </p:sp>
+      <p:sp>
+        <p:nvSpPr>
+          <p:cNvPr id="3" name="Espace réservé du contenu 2">
+            <a:extLst>
+              <a:ext uri="{FF2B5EF4-FFF2-40B4-BE49-F238E27FC236}">
+                <a16:creationId xmlns:a16="http://schemas.microsoft.com/office/drawing/2014/main" id="{8A7EF2C0-AFE0-5A40-B32F-5698F4F0B1AC}"/>
+              </a:ext>
+            </a:extLst>
+          </p:cNvPr>
+          <p:cNvSpPr>
+            <a:spLocks noGrp="1"/>
+          </p:cNvSpPr>
+          <p:nvPr>
+            <p:ph sz="half" idx="2"/>
+          </p:nvPr>
+        </p:nvSpPr>
+        <p:spPr>
+          <a:xfrm>
+            <a:off x="4959772" y="893233"/>
+            <a:ext cx="3671466" cy="3933959"/>
+          </a:xfrm>
+        </p:spPr>
+        <p:txBody>
+          <a:bodyPr/>
+          <a:lstStyle/>
+          <a:p>
+            <a:pPr marL="0" indent="0">
+              <a:buNone/>
+            </a:pPr>
+            <a:r>
+              <a:rPr lang="fr-FR" dirty="0" err="1"/>
+              <a:t>Color</a:t>
+            </a:r>
+            <a:r>
+              <a:rPr lang="fr-FR" dirty="0"/>
+              <a:t> </a:t>
+            </a:r>
+            <a:r>
+              <a:rPr lang="fr-FR" dirty="0" err="1"/>
+              <a:t>detection</a:t>
+            </a:r>
+            <a:endParaRPr lang="fr-FR" dirty="0"/>
+          </a:p>
+          <a:p>
+            <a:r>
+              <a:rPr lang="fr-FR" dirty="0" err="1"/>
+              <a:t>Define</a:t>
+            </a:r>
+            <a:r>
+              <a:rPr lang="fr-FR" dirty="0"/>
+              <a:t> the </a:t>
+            </a:r>
+            <a:r>
+              <a:rPr lang="fr-FR" dirty="0" err="1"/>
+              <a:t>color</a:t>
+            </a:r>
+            <a:r>
+              <a:rPr lang="fr-FR" dirty="0"/>
+              <a:t> of the obstacles</a:t>
+            </a:r>
+          </a:p>
+          <a:p>
+            <a:r>
+              <a:rPr lang="fr-FR" dirty="0" err="1"/>
+              <a:t>Selection</a:t>
+            </a:r>
+            <a:r>
+              <a:rPr lang="fr-FR" dirty="0"/>
+              <a:t> the pixels of the </a:t>
+            </a:r>
+            <a:r>
+              <a:rPr lang="fr-FR" dirty="0" err="1"/>
+              <a:t>same</a:t>
+            </a:r>
+            <a:r>
+              <a:rPr lang="fr-FR" dirty="0"/>
+              <a:t> </a:t>
+            </a:r>
+            <a:r>
+              <a:rPr lang="fr-FR" dirty="0" err="1"/>
+              <a:t>color</a:t>
+            </a:r>
+            <a:r>
+              <a:rPr lang="fr-FR" dirty="0"/>
+              <a:t> in the image</a:t>
+            </a:r>
+          </a:p>
+          <a:p>
+            <a:endParaRPr lang="fr-FR" dirty="0"/>
+          </a:p>
+          <a:p>
+            <a:pPr marL="0" indent="0">
+              <a:buNone/>
+            </a:pPr>
+            <a:endParaRPr lang="fr-FR" dirty="0"/>
+          </a:p>
+        </p:txBody>
+      </p:sp>
+      <p:sp>
+        <p:nvSpPr>
+          <p:cNvPr id="4" name="Titre 3">
+            <a:extLst>
+              <a:ext uri="{FF2B5EF4-FFF2-40B4-BE49-F238E27FC236}">
+                <a16:creationId xmlns:a16="http://schemas.microsoft.com/office/drawing/2014/main" id="{56A5C954-4D50-5646-BD86-11914F923274}"/>
               </a:ext>
             </a:extLst>
           </p:cNvPr>
@@ -5063,80 +5244,22 @@
             <p:ph type="title"/>
           </p:nvPr>
         </p:nvSpPr>
-        <p:spPr/>
-        <p:txBody>
-          <a:bodyPr/>
+        <p:spPr>
+          <a:xfrm>
+            <a:off x="904875" y="131032"/>
+            <a:ext cx="3667125" cy="762201"/>
+          </a:xfrm>
+        </p:spPr>
+        <p:txBody>
+          <a:bodyPr>
+            <a:normAutofit/>
+          </a:bodyPr>
           <a:lstStyle/>
           <a:p>
             <a:r>
               <a:rPr lang="fr-FR" dirty="0"/>
-              <a:t>Computer Vision</a:t>
-            </a:r>
-          </a:p>
-        </p:txBody>
-      </p:sp>
-      <p:sp>
-        <p:nvSpPr>
-          <p:cNvPr id="3" name="Espace réservé du texte 2">
-            <a:extLst>
-              <a:ext uri="{FF2B5EF4-FFF2-40B4-BE49-F238E27FC236}">
-                <a16:creationId xmlns:a16="http://schemas.microsoft.com/office/drawing/2014/main" id="{50E3DCC4-356B-A340-9BF5-39AD9E375463}"/>
-              </a:ext>
-            </a:extLst>
-          </p:cNvPr>
-          <p:cNvSpPr>
-            <a:spLocks noGrp="1"/>
-          </p:cNvSpPr>
-          <p:nvPr>
-            <p:ph type="body" idx="1"/>
-          </p:nvPr>
-        </p:nvSpPr>
-        <p:spPr/>
-        <p:txBody>
-          <a:bodyPr/>
-          <a:lstStyle/>
-          <a:p>
-            <a:r>
-              <a:rPr lang="fr-FR" i="1" dirty="0"/>
-              <a:t>image</a:t>
-            </a:r>
-          </a:p>
-        </p:txBody>
-      </p:sp>
-      <p:sp>
-        <p:nvSpPr>
-          <p:cNvPr id="4" name="Espace réservé pour une image  3">
-            <a:extLst>
-              <a:ext uri="{FF2B5EF4-FFF2-40B4-BE49-F238E27FC236}">
-                <a16:creationId xmlns:a16="http://schemas.microsoft.com/office/drawing/2014/main" id="{220F4E5E-C94C-9043-9393-94FDC617633C}"/>
-              </a:ext>
-            </a:extLst>
-          </p:cNvPr>
-          <p:cNvSpPr>
-            <a:spLocks noGrp="1"/>
-          </p:cNvSpPr>
-          <p:nvPr>
-            <p:ph type="pic" sz="quarter" idx="13"/>
-          </p:nvPr>
-        </p:nvSpPr>
-        <p:spPr/>
-        <p:txBody>
-          <a:bodyPr/>
-          <a:lstStyle/>
-          <a:p>
-            <a:r>
-              <a:rPr lang="it-IT" dirty="0"/>
-              <a:t>Methods </a:t>
-            </a:r>
-            <a:r>
-              <a:rPr lang="it-IT" dirty="0" err="1"/>
-              <a:t>used</a:t>
-            </a:r>
-            <a:r>
-              <a:rPr lang="it-IT" dirty="0"/>
-              <a:t> in the computer vision</a:t>
-            </a:r>
-            <a:endParaRPr lang="en-AU" dirty="0"/>
+              <a:t>Computer vision</a:t>
+            </a:r>
           </a:p>
         </p:txBody>
       </p:sp>
@@ -5145,25 +5268,30 @@
           <p:cNvPr id="5" name="Espace réservé de la date 4">
             <a:extLst>
               <a:ext uri="{FF2B5EF4-FFF2-40B4-BE49-F238E27FC236}">
-                <a16:creationId xmlns:a16="http://schemas.microsoft.com/office/drawing/2014/main" id="{D880124D-0355-C54B-9126-82BC6AB6B368}"/>
-              </a:ext>
-            </a:extLst>
-          </p:cNvPr>
-          <p:cNvSpPr>
-            <a:spLocks noGrp="1"/>
-          </p:cNvSpPr>
-          <p:nvPr>
-            <p:ph type="dt" sz="half" idx="14"/>
-          </p:nvPr>
-        </p:nvSpPr>
-        <p:spPr/>
-        <p:txBody>
-          <a:bodyPr/>
-          <a:lstStyle/>
-          <a:p>
-            <a:r>
-              <a:rPr lang="fr-CH"/>
-              <a:t>NAME EVENT / NAME PRESENTATION</a:t>
+                <a16:creationId xmlns:a16="http://schemas.microsoft.com/office/drawing/2014/main" id="{0B981E69-B0C7-CB4A-8857-52A3E7987251}"/>
+              </a:ext>
+            </a:extLst>
+          </p:cNvPr>
+          <p:cNvSpPr>
+            <a:spLocks noGrp="1"/>
+          </p:cNvSpPr>
+          <p:nvPr>
+            <p:ph type="dt" sz="half" idx="10"/>
+          </p:nvPr>
+        </p:nvSpPr>
+        <p:spPr/>
+        <p:txBody>
+          <a:bodyPr/>
+          <a:lstStyle/>
+          <a:p>
+            <a:pPr fontAlgn="ctr" latinLnBrk="0"/>
+            <a:r>
+              <a:rPr lang="fr-CH" dirty="0"/>
+              <a:t>Basics of mobile </a:t>
+            </a:r>
+            <a:r>
+              <a:rPr lang="fr-CH" dirty="0" err="1"/>
+              <a:t>robotics</a:t>
             </a:r>
             <a:endParaRPr lang="fr-FR" dirty="0"/>
           </a:p>
@@ -5174,27 +5302,39 @@
           <p:cNvPr id="6" name="Espace réservé du pied de page 5">
             <a:extLst>
               <a:ext uri="{FF2B5EF4-FFF2-40B4-BE49-F238E27FC236}">
-                <a16:creationId xmlns:a16="http://schemas.microsoft.com/office/drawing/2014/main" id="{BA9178B4-D530-1544-B47E-4E68F0889249}"/>
-              </a:ext>
-            </a:extLst>
-          </p:cNvPr>
-          <p:cNvSpPr>
-            <a:spLocks noGrp="1"/>
-          </p:cNvSpPr>
-          <p:nvPr>
-            <p:ph type="ftr" sz="quarter" idx="15"/>
-          </p:nvPr>
-        </p:nvSpPr>
-        <p:spPr/>
-        <p:txBody>
-          <a:bodyPr/>
-          <a:lstStyle/>
-          <a:p>
-            <a:r>
-              <a:rPr lang="fr-FR"/>
-              <a:t>Speaker </a:t>
-            </a:r>
-            <a:endParaRPr lang="fr-FR" dirty="0"/>
+                <a16:creationId xmlns:a16="http://schemas.microsoft.com/office/drawing/2014/main" id="{2FFD7E3D-018E-5540-8143-D52C4B40AD80}"/>
+              </a:ext>
+            </a:extLst>
+          </p:cNvPr>
+          <p:cNvSpPr>
+            <a:spLocks noGrp="1"/>
+          </p:cNvSpPr>
+          <p:nvPr>
+            <p:ph type="ftr" sz="quarter" idx="11"/>
+          </p:nvPr>
+        </p:nvSpPr>
+        <p:spPr>
+          <a:xfrm rot="16200000">
+            <a:off x="7115989" y="1870677"/>
+            <a:ext cx="3543260" cy="512762"/>
+          </a:xfrm>
+        </p:spPr>
+        <p:txBody>
+          <a:bodyPr/>
+          <a:lstStyle/>
+          <a:p>
+            <a:r>
+              <a:rPr lang="fr-FR" dirty="0"/>
+              <a:t>Elisa Ferrara, Cédric Fournier, Simon </a:t>
+            </a:r>
+            <a:r>
+              <a:rPr lang="fr-FR" dirty="0" err="1"/>
+              <a:t>Gmür</a:t>
+            </a:r>
+            <a:r>
+              <a:rPr lang="fr-FR" dirty="0"/>
+              <a:t> et Edgar Aellen</a:t>
+            </a:r>
           </a:p>
         </p:txBody>
       </p:sp>
@@ -5203,15 +5343,15 @@
           <p:cNvPr id="7" name="Espace réservé du numéro de diapositive 6">
             <a:extLst>
               <a:ext uri="{FF2B5EF4-FFF2-40B4-BE49-F238E27FC236}">
-                <a16:creationId xmlns:a16="http://schemas.microsoft.com/office/drawing/2014/main" id="{A8253E77-58BB-5342-B218-CB0FEF98A9E0}"/>
-              </a:ext>
-            </a:extLst>
-          </p:cNvPr>
-          <p:cNvSpPr>
-            <a:spLocks noGrp="1"/>
-          </p:cNvSpPr>
-          <p:nvPr>
-            <p:ph type="sldNum" sz="quarter" idx="16"/>
+                <a16:creationId xmlns:a16="http://schemas.microsoft.com/office/drawing/2014/main" id="{D66594FF-570A-9347-A32A-D6F6024A87B3}"/>
+              </a:ext>
+            </a:extLst>
+          </p:cNvPr>
+          <p:cNvSpPr>
+            <a:spLocks noGrp="1"/>
+          </p:cNvSpPr>
+          <p:nvPr>
+            <p:ph type="sldNum" sz="quarter" idx="12"/>
           </p:nvPr>
         </p:nvSpPr>
         <p:spPr/>
@@ -5228,10 +5368,100 @@
           </a:p>
         </p:txBody>
       </p:sp>
+      <p:pic>
+        <p:nvPicPr>
+          <p:cNvPr id="15" name="Image 14" descr="Une image contenant capture d’écran, intérieur, sol&#10;&#10;Description générée automatiquement">
+            <a:extLst>
+              <a:ext uri="{FF2B5EF4-FFF2-40B4-BE49-F238E27FC236}">
+                <a16:creationId xmlns:a16="http://schemas.microsoft.com/office/drawing/2014/main" id="{F99C1CF1-1DD6-97C0-89C0-B9C3BC9883C8}"/>
+              </a:ext>
+            </a:extLst>
+          </p:cNvPr>
+          <p:cNvPicPr>
+            <a:picLocks noChangeAspect="1"/>
+          </p:cNvPicPr>
+          <p:nvPr/>
+        </p:nvPicPr>
+        <p:blipFill>
+          <a:blip r:embed="rId2"/>
+          <a:stretch>
+            <a:fillRect/>
+          </a:stretch>
+        </p:blipFill>
+        <p:spPr>
+          <a:xfrm>
+            <a:off x="3297663" y="2571750"/>
+            <a:ext cx="2548673" cy="1912389"/>
+          </a:xfrm>
+          <a:prstGeom prst="rect">
+            <a:avLst/>
+          </a:prstGeom>
+        </p:spPr>
+      </p:pic>
+      <p:pic>
+        <p:nvPicPr>
+          <p:cNvPr id="17" name="Image 16" descr="Une image contenant symbole&#10;&#10;Description générée automatiquement">
+            <a:extLst>
+              <a:ext uri="{FF2B5EF4-FFF2-40B4-BE49-F238E27FC236}">
+                <a16:creationId xmlns:a16="http://schemas.microsoft.com/office/drawing/2014/main" id="{0AA6A45B-CDD9-7DB2-409E-F6FEBFBFB008}"/>
+              </a:ext>
+            </a:extLst>
+          </p:cNvPr>
+          <p:cNvPicPr>
+            <a:picLocks noChangeAspect="1"/>
+          </p:cNvPicPr>
+          <p:nvPr/>
+        </p:nvPicPr>
+        <p:blipFill>
+          <a:blip r:embed="rId3"/>
+          <a:stretch>
+            <a:fillRect/>
+          </a:stretch>
+        </p:blipFill>
+        <p:spPr>
+          <a:xfrm>
+            <a:off x="1120403" y="2921000"/>
+            <a:ext cx="1206500" cy="1206500"/>
+          </a:xfrm>
+          <a:prstGeom prst="rect">
+            <a:avLst/>
+          </a:prstGeom>
+        </p:spPr>
+      </p:pic>
+      <p:pic>
+        <p:nvPicPr>
+          <p:cNvPr id="19" name="Image 18">
+            <a:extLst>
+              <a:ext uri="{FF2B5EF4-FFF2-40B4-BE49-F238E27FC236}">
+                <a16:creationId xmlns:a16="http://schemas.microsoft.com/office/drawing/2014/main" id="{1C17F76E-71BE-A89E-9FC7-92E2E17A44A6}"/>
+              </a:ext>
+            </a:extLst>
+          </p:cNvPr>
+          <p:cNvPicPr>
+            <a:picLocks noChangeAspect="1"/>
+          </p:cNvPicPr>
+          <p:nvPr/>
+        </p:nvPicPr>
+        <p:blipFill>
+          <a:blip r:embed="rId4"/>
+          <a:stretch>
+            <a:fillRect/>
+          </a:stretch>
+        </p:blipFill>
+        <p:spPr>
+          <a:xfrm>
+            <a:off x="6817097" y="2921000"/>
+            <a:ext cx="1139472" cy="1206500"/>
+          </a:xfrm>
+          <a:prstGeom prst="rect">
+            <a:avLst/>
+          </a:prstGeom>
+        </p:spPr>
+      </p:pic>
     </p:spTree>
     <p:extLst>
       <p:ext uri="{BB962C8B-B14F-4D97-AF65-F5344CB8AC3E}">
-        <p14:creationId xmlns:p14="http://schemas.microsoft.com/office/powerpoint/2010/main" val="3269070600"/>
+        <p14:creationId xmlns:p14="http://schemas.microsoft.com/office/powerpoint/2010/main" val="3526488194"/>
       </p:ext>
     </p:extLst>
   </p:cSld>
@@ -5357,38 +5587,14 @@
           <a:bodyPr/>
           <a:lstStyle/>
           <a:p>
-            <a:r>
-              <a:rPr lang="fr-CH"/>
-              <a:t>NAME EVENT / NAME PRESENTATION</a:t>
-            </a:r>
-            <a:endParaRPr lang="fr-FR" dirty="0"/>
-          </a:p>
-        </p:txBody>
-      </p:sp>
-      <p:sp>
-        <p:nvSpPr>
-          <p:cNvPr id="6" name="Espace réservé du pied de page 5">
-            <a:extLst>
-              <a:ext uri="{FF2B5EF4-FFF2-40B4-BE49-F238E27FC236}">
-                <a16:creationId xmlns:a16="http://schemas.microsoft.com/office/drawing/2014/main" id="{3E659368-9571-8644-98C3-28A3170DC8F7}"/>
-              </a:ext>
-            </a:extLst>
-          </p:cNvPr>
-          <p:cNvSpPr>
-            <a:spLocks noGrp="1"/>
-          </p:cNvSpPr>
-          <p:nvPr>
-            <p:ph type="ftr" sz="quarter" idx="15"/>
-          </p:nvPr>
-        </p:nvSpPr>
-        <p:spPr/>
-        <p:txBody>
-          <a:bodyPr/>
-          <a:lstStyle/>
-          <a:p>
-            <a:r>
-              <a:rPr lang="fr-FR"/>
-              <a:t>Speaker </a:t>
+            <a:pPr fontAlgn="ctr" latinLnBrk="0"/>
+            <a:r>
+              <a:rPr lang="fr-CH" dirty="0"/>
+              <a:t>Basics of mobile </a:t>
+            </a:r>
+            <a:r>
+              <a:rPr lang="fr-CH" dirty="0" err="1"/>
+              <a:t>robotics</a:t>
             </a:r>
             <a:endParaRPr lang="fr-FR" dirty="0"/>
           </a:p>
@@ -5421,6 +5627,66 @@
               <a:t>3</a:t>
             </a:fld>
             <a:endParaRPr lang="fr-FR" dirty="0"/>
+          </a:p>
+        </p:txBody>
+      </p:sp>
+      <p:sp>
+        <p:nvSpPr>
+          <p:cNvPr id="11" name="Espace réservé du pied de page 5">
+            <a:extLst>
+              <a:ext uri="{FF2B5EF4-FFF2-40B4-BE49-F238E27FC236}">
+                <a16:creationId xmlns:a16="http://schemas.microsoft.com/office/drawing/2014/main" id="{E50B3DD8-E997-2DCA-E8C9-BDDBF916720D}"/>
+              </a:ext>
+            </a:extLst>
+          </p:cNvPr>
+          <p:cNvSpPr>
+            <a:spLocks noGrp="1"/>
+          </p:cNvSpPr>
+          <p:nvPr>
+            <p:ph type="ftr" sz="quarter" idx="15"/>
+          </p:nvPr>
+        </p:nvSpPr>
+        <p:spPr>
+          <a:xfrm rot="16200000">
+            <a:off x="7115989" y="1874064"/>
+            <a:ext cx="3543260" cy="512762"/>
+          </a:xfrm>
+        </p:spPr>
+        <p:txBody>
+          <a:bodyPr/>
+          <a:lstStyle/>
+          <a:p>
+            <a:r>
+              <a:rPr lang="fr-FR" sz="700" dirty="0">
+                <a:solidFill>
+                  <a:schemeClr val="bg1"/>
+                </a:solidFill>
+                <a:latin typeface="Arial" panose="020B0604020202020204" pitchFamily="34" charset="0"/>
+              </a:rPr>
+              <a:t>Elisa Ferrara, Cédric Fournier, Simon </a:t>
+            </a:r>
+            <a:r>
+              <a:rPr lang="fr-FR" sz="700" dirty="0" err="1">
+                <a:solidFill>
+                  <a:schemeClr val="bg1"/>
+                </a:solidFill>
+                <a:latin typeface="Arial" panose="020B0604020202020204" pitchFamily="34" charset="0"/>
+              </a:rPr>
+              <a:t>Gmür</a:t>
+            </a:r>
+            <a:r>
+              <a:rPr lang="fr-FR" sz="700" dirty="0">
+                <a:solidFill>
+                  <a:schemeClr val="bg1"/>
+                </a:solidFill>
+                <a:latin typeface="Arial" panose="020B0604020202020204" pitchFamily="34" charset="0"/>
+              </a:rPr>
+              <a:t> et Edgar Aellen</a:t>
+            </a:r>
+            <a:r>
+              <a:rPr lang="fr-FR" dirty="0"/>
+              <a:t> </a:t>
+            </a:r>
           </a:p>
         </p:txBody>
       </p:sp>
@@ -5558,38 +5824,14 @@
           <a:bodyPr/>
           <a:lstStyle/>
           <a:p>
-            <a:r>
-              <a:rPr lang="fr-CH"/>
-              <a:t>NAME EVENT / NAME PRESENTATION</a:t>
-            </a:r>
-            <a:endParaRPr lang="fr-FR" dirty="0"/>
-          </a:p>
-        </p:txBody>
-      </p:sp>
-      <p:sp>
-        <p:nvSpPr>
-          <p:cNvPr id="6" name="Espace réservé du pied de page 5">
-            <a:extLst>
-              <a:ext uri="{FF2B5EF4-FFF2-40B4-BE49-F238E27FC236}">
-                <a16:creationId xmlns:a16="http://schemas.microsoft.com/office/drawing/2014/main" id="{DD9A0770-B5CA-8A4C-9027-98426284A4A2}"/>
-              </a:ext>
-            </a:extLst>
-          </p:cNvPr>
-          <p:cNvSpPr>
-            <a:spLocks noGrp="1"/>
-          </p:cNvSpPr>
-          <p:nvPr>
-            <p:ph type="ftr" sz="quarter" idx="15"/>
-          </p:nvPr>
-        </p:nvSpPr>
-        <p:spPr/>
-        <p:txBody>
-          <a:bodyPr/>
-          <a:lstStyle/>
-          <a:p>
-            <a:r>
-              <a:rPr lang="fr-FR"/>
-              <a:t>Speaker </a:t>
+            <a:pPr fontAlgn="ctr" latinLnBrk="0"/>
+            <a:r>
+              <a:rPr lang="fr-CH" dirty="0"/>
+              <a:t>Basics of mobile </a:t>
+            </a:r>
+            <a:r>
+              <a:rPr lang="fr-CH" dirty="0" err="1"/>
+              <a:t>robotics</a:t>
             </a:r>
             <a:endParaRPr lang="fr-FR" dirty="0"/>
           </a:p>
@@ -5622,6 +5864,66 @@
               <a:t>4</a:t>
             </a:fld>
             <a:endParaRPr lang="fr-FR" dirty="0"/>
+          </a:p>
+        </p:txBody>
+      </p:sp>
+      <p:sp>
+        <p:nvSpPr>
+          <p:cNvPr id="12" name="Espace réservé du pied de page 5">
+            <a:extLst>
+              <a:ext uri="{FF2B5EF4-FFF2-40B4-BE49-F238E27FC236}">
+                <a16:creationId xmlns:a16="http://schemas.microsoft.com/office/drawing/2014/main" id="{41CE4764-99E1-16B7-0D02-44A09ED05BDE}"/>
+              </a:ext>
+            </a:extLst>
+          </p:cNvPr>
+          <p:cNvSpPr>
+            <a:spLocks noGrp="1"/>
+          </p:cNvSpPr>
+          <p:nvPr>
+            <p:ph type="ftr" sz="quarter" idx="15"/>
+          </p:nvPr>
+        </p:nvSpPr>
+        <p:spPr>
+          <a:xfrm rot="16200000">
+            <a:off x="7115989" y="1874064"/>
+            <a:ext cx="3543260" cy="512762"/>
+          </a:xfrm>
+        </p:spPr>
+        <p:txBody>
+          <a:bodyPr/>
+          <a:lstStyle/>
+          <a:p>
+            <a:r>
+              <a:rPr lang="fr-FR" sz="700" dirty="0">
+                <a:solidFill>
+                  <a:schemeClr val="bg1"/>
+                </a:solidFill>
+                <a:latin typeface="Arial" panose="020B0604020202020204" pitchFamily="34" charset="0"/>
+              </a:rPr>
+              <a:t>Elisa Ferrara, Cédric Fournier, Simon </a:t>
+            </a:r>
+            <a:r>
+              <a:rPr lang="fr-FR" sz="700" dirty="0" err="1">
+                <a:solidFill>
+                  <a:schemeClr val="bg1"/>
+                </a:solidFill>
+                <a:latin typeface="Arial" panose="020B0604020202020204" pitchFamily="34" charset="0"/>
+              </a:rPr>
+              <a:t>Gmür</a:t>
+            </a:r>
+            <a:r>
+              <a:rPr lang="fr-FR" sz="700" dirty="0">
+                <a:solidFill>
+                  <a:schemeClr val="bg1"/>
+                </a:solidFill>
+                <a:latin typeface="Arial" panose="020B0604020202020204" pitchFamily="34" charset="0"/>
+              </a:rPr>
+              <a:t> et Edgar Aellen</a:t>
+            </a:r>
+            <a:r>
+              <a:rPr lang="fr-FR" dirty="0"/>
+              <a:t> </a:t>
+            </a:r>
           </a:p>
         </p:txBody>
       </p:sp>
@@ -5882,9 +6184,14 @@
           <a:bodyPr/>
           <a:lstStyle/>
           <a:p>
-            <a:r>
-              <a:rPr lang="fr-CH"/>
-              <a:t>NAME EVENT / NAME PRESENTATION</a:t>
+            <a:pPr fontAlgn="ctr" latinLnBrk="0"/>
+            <a:r>
+              <a:rPr lang="fr-CH" dirty="0"/>
+              <a:t>Basics of mobile </a:t>
+            </a:r>
+            <a:r>
+              <a:rPr lang="fr-CH" dirty="0" err="1"/>
+              <a:t>robotics</a:t>
             </a:r>
             <a:endParaRPr lang="fr-FR" dirty="0"/>
           </a:p>
@@ -5912,10 +6219,36 @@
           <a:lstStyle/>
           <a:p>
             <a:r>
-              <a:rPr lang="fr-FR"/>
-              <a:t>Speaker </a:t>
-            </a:r>
-            <a:endParaRPr lang="fr-FR" dirty="0"/>
+              <a:rPr lang="fr-FR" sz="700" dirty="0">
+                <a:solidFill>
+                  <a:schemeClr val="bg1"/>
+                </a:solidFill>
+                <a:latin typeface="Arial" panose="020B0604020202020204" pitchFamily="34" charset="0"/>
+              </a:rPr>
+              <a:t>Elisa Ferrara, Cédric Fournier, Simon </a:t>
+            </a:r>
+            <a:r>
+              <a:rPr lang="fr-FR" sz="700" dirty="0" err="1">
+                <a:solidFill>
+                  <a:schemeClr val="bg1"/>
+                </a:solidFill>
+                <a:latin typeface="Arial" panose="020B0604020202020204" pitchFamily="34" charset="0"/>
+              </a:rPr>
+              <a:t>Gmür</a:t>
+            </a:r>
+            <a:r>
+              <a:rPr lang="fr-FR" sz="700" dirty="0">
+                <a:solidFill>
+                  <a:schemeClr val="bg1"/>
+                </a:solidFill>
+                <a:latin typeface="Arial" panose="020B0604020202020204" pitchFamily="34" charset="0"/>
+              </a:rPr>
+              <a:t> et Edgar Aellen</a:t>
+            </a:r>
+            <a:r>
+              <a:rPr lang="fr-FR" dirty="0"/>
+              <a:t> </a:t>
+            </a:r>
           </a:p>
         </p:txBody>
       </p:sp>
@@ -6078,9 +6411,14 @@
           <a:bodyPr/>
           <a:lstStyle/>
           <a:p>
-            <a:r>
-              <a:rPr lang="fr-CH"/>
-              <a:t>NAME EVENT / NAME PRESENTATION</a:t>
+            <a:pPr fontAlgn="ctr" latinLnBrk="0"/>
+            <a:r>
+              <a:rPr lang="fr-CH" dirty="0"/>
+              <a:t>Basics of mobile </a:t>
+            </a:r>
+            <a:r>
+              <a:rPr lang="fr-CH" dirty="0" err="1"/>
+              <a:t>robotics</a:t>
             </a:r>
             <a:endParaRPr lang="fr-FR" dirty="0"/>
           </a:p>
@@ -6108,10 +6446,38 @@
           <a:lstStyle/>
           <a:p>
             <a:r>
-              <a:rPr lang="fr-FR"/>
-              <a:t>Speaker </a:t>
-            </a:r>
-            <a:endParaRPr lang="fr-FR" dirty="0"/>
+              <a:rPr lang="fr-FR" sz="700" dirty="0">
+                <a:solidFill>
+                  <a:schemeClr val="bg1"/>
+                </a:solidFill>
+                <a:latin typeface="Arial" panose="020B0604020202020204" pitchFamily="34" charset="0"/>
+              </a:rPr>
+              <a:t>Elisa Ferrara, Cédric Fournier, Simon </a:t>
+            </a:r>
+            <a:r>
+              <a:rPr lang="fr-FR" sz="700" dirty="0" err="1">
+                <a:solidFill>
+                  <a:schemeClr val="bg1"/>
+                </a:solidFill>
+                <a:latin typeface="Arial" panose="020B0604020202020204" pitchFamily="34" charset="0"/>
+              </a:rPr>
+              <a:t>Gmür</a:t>
+            </a:r>
+            <a:r>
+              <a:rPr lang="fr-FR" sz="700" dirty="0">
+                <a:solidFill>
+                  <a:schemeClr val="bg1"/>
+                </a:solidFill>
+                <a:latin typeface="Arial" panose="020B0604020202020204" pitchFamily="34" charset="0"/>
+              </a:rPr>
+              <a:t> et Edgar Aellen</a:t>
+            </a:r>
+          </a:p>
+          <a:p>
+            <a:r>
+              <a:rPr lang="fr-FR" dirty="0"/>
+              <a:t> </a:t>
+            </a:r>
           </a:p>
         </p:txBody>
       </p:sp>
@@ -6916,21 +7282,6 @@
 </file>
 
 <file path=customXml/item1.xml><?xml version="1.0" encoding="utf-8"?>
-<?mso-contentType ?>
-<FormTemplates xmlns="http://schemas.microsoft.com/sharepoint/v3/contenttype/forms">
-  <Display>DocumentLibraryForm</Display>
-  <Edit>DocumentLibraryForm</Edit>
-  <New>DocumentLibraryForm</New>
-</FormTemplates>
-</file>
-
-<file path=customXml/item2.xml><?xml version="1.0" encoding="utf-8"?>
-<p:properties xmlns:p="http://schemas.microsoft.com/office/2006/metadata/properties" xmlns:xsi="http://www.w3.org/2001/XMLSchema-instance" xmlns:pc="http://schemas.microsoft.com/office/infopath/2007/PartnerControls">
-  <documentManagement/>
-</p:properties>
-</file>
-
-<file path=customXml/item3.xml><?xml version="1.0" encoding="utf-8"?>
 <ct:contentTypeSchema xmlns:ct="http://schemas.microsoft.com/office/2006/metadata/contentType" xmlns:ma="http://schemas.microsoft.com/office/2006/metadata/properties/metaAttributes" ct:_="" ma:_="" ma:contentTypeName="Document" ma:contentTypeID="0x0101001BFC127AB4946248A5685C1F92D54FFE" ma:contentTypeVersion="0" ma:contentTypeDescription="Crée un document." ma:contentTypeScope="" ma:versionID="ef3ff242486930b75c69099c0dd02c57">
   <xsd:schema xmlns:xsd="http://www.w3.org/2001/XMLSchema" xmlns:xs="http://www.w3.org/2001/XMLSchema" xmlns:p="http://schemas.microsoft.com/office/2006/metadata/properties" targetNamespace="http://schemas.microsoft.com/office/2006/metadata/properties" ma:root="true" ma:fieldsID="ab09c1ba23edfaa45a5e9d385267c9b5">
     <xsd:element name="properties">
@@ -7044,10 +7395,33 @@
 </ct:contentTypeSchema>
 </file>
 
+<file path=customXml/item2.xml><?xml version="1.0" encoding="utf-8"?>
+<p:properties xmlns:p="http://schemas.microsoft.com/office/2006/metadata/properties" xmlns:xsi="http://www.w3.org/2001/XMLSchema-instance" xmlns:pc="http://schemas.microsoft.com/office/infopath/2007/PartnerControls">
+  <documentManagement/>
+</p:properties>
+</file>
+
+<file path=customXml/item3.xml><?xml version="1.0" encoding="utf-8"?>
+<?mso-contentType ?>
+<FormTemplates xmlns="http://schemas.microsoft.com/sharepoint/v3/contenttype/forms">
+  <Display>DocumentLibraryForm</Display>
+  <Edit>DocumentLibraryForm</Edit>
+  <New>DocumentLibraryForm</New>
+</FormTemplates>
+</file>
+
 <file path=customXml/itemProps1.xml><?xml version="1.0" encoding="utf-8"?>
-<ds:datastoreItem xmlns:ds="http://schemas.openxmlformats.org/officeDocument/2006/customXml" ds:itemID="{266205E9-12FC-4D6C-B0C7-1E9025EEB158}">
+<ds:datastoreItem xmlns:ds="http://schemas.openxmlformats.org/officeDocument/2006/customXml" ds:itemID="{8F8CE09B-89B1-4B5D-BED2-87C84F077711}">
   <ds:schemaRefs>
-    <ds:schemaRef ds:uri="http://schemas.microsoft.com/sharepoint/v3/contenttype/forms"/>
+    <ds:schemaRef ds:uri="http://schemas.microsoft.com/office/2006/metadata/contentType"/>
+    <ds:schemaRef ds:uri="http://schemas.microsoft.com/office/2006/metadata/properties/metaAttributes"/>
+    <ds:schemaRef ds:uri="http://www.w3.org/2001/XMLSchema"/>
+    <ds:schemaRef ds:uri="http://schemas.microsoft.com/office/2006/metadata/properties"/>
+    <ds:schemaRef ds:uri="http://schemas.openxmlformats.org/package/2006/metadata/core-properties"/>
+    <ds:schemaRef ds:uri="http://purl.org/dc/elements/1.1/"/>
+    <ds:schemaRef ds:uri="http://purl.org/dc/terms/"/>
+    <ds:schemaRef ds:uri="http://schemas.microsoft.com/internal/obd"/>
+    <ds:schemaRef ds:uri="http://schemas.microsoft.com/office/infopath/2007/PartnerControls"/>
   </ds:schemaRefs>
 </ds:datastoreItem>
 </file>
@@ -7062,17 +7436,9 @@
 </file>
 
 <file path=customXml/itemProps3.xml><?xml version="1.0" encoding="utf-8"?>
-<ds:datastoreItem xmlns:ds="http://schemas.openxmlformats.org/officeDocument/2006/customXml" ds:itemID="{8F8CE09B-89B1-4B5D-BED2-87C84F077711}">
+<ds:datastoreItem xmlns:ds="http://schemas.openxmlformats.org/officeDocument/2006/customXml" ds:itemID="{266205E9-12FC-4D6C-B0C7-1E9025EEB158}">
   <ds:schemaRefs>
-    <ds:schemaRef ds:uri="http://schemas.microsoft.com/office/2006/metadata/contentType"/>
-    <ds:schemaRef ds:uri="http://schemas.microsoft.com/office/2006/metadata/properties/metaAttributes"/>
-    <ds:schemaRef ds:uri="http://www.w3.org/2001/XMLSchema"/>
-    <ds:schemaRef ds:uri="http://schemas.microsoft.com/office/2006/metadata/properties"/>
-    <ds:schemaRef ds:uri="http://schemas.openxmlformats.org/package/2006/metadata/core-properties"/>
-    <ds:schemaRef ds:uri="http://purl.org/dc/elements/1.1/"/>
-    <ds:schemaRef ds:uri="http://purl.org/dc/terms/"/>
-    <ds:schemaRef ds:uri="http://schemas.microsoft.com/internal/obd"/>
-    <ds:schemaRef ds:uri="http://schemas.microsoft.com/office/infopath/2007/PartnerControls"/>
+    <ds:schemaRef ds:uri="http://schemas.microsoft.com/sharepoint/v3/contenttype/forms"/>
   </ds:schemaRefs>
 </ds:datastoreItem>
 </file>